--- a/UI对照.pptx
+++ b/UI对照.pptx
@@ -18,6 +18,7 @@
     <p:sldId id="263" r:id="rId13"/>
     <p:sldId id="264" r:id="rId14"/>
     <p:sldId id="265" r:id="rId15"/>
+    <p:sldId id="266" r:id="rId16"/>
   </p:sldIdLst>
   <p:sldSz cy="5143500" cx="9144000"/>
   <p:notesSz cx="6858000" cy="9144000"/>
@@ -813,7 +814,7 @@
       </p:grpSpPr>
       <p:sp>
         <p:nvSpPr>
-          <p:cNvPr id="130" name="Google Shape;130;g758e67e8a5_4_27:notes"/>
+          <p:cNvPr id="130" name="Google Shape;130;g758e67e8a5_4_20:notes"/>
           <p:cNvSpPr/>
           <p:nvPr>
             <p:ph idx="2" type="sldImg"/>
@@ -848,7 +849,106 @@
       </p:sp>
       <p:sp>
         <p:nvSpPr>
-          <p:cNvPr id="131" name="Google Shape;131;g758e67e8a5_4_27:notes"/>
+          <p:cNvPr id="131" name="Google Shape;131;g758e67e8a5_4_20:notes"/>
+          <p:cNvSpPr txBox="1"/>
+          <p:nvPr>
+            <p:ph idx="1" type="body"/>
+          </p:nvPr>
+        </p:nvSpPr>
+        <p:spPr>
+          <a:xfrm>
+            <a:off x="685800" y="4343400"/>
+            <a:ext cx="5486400" cy="4114800"/>
+          </a:xfrm>
+          <a:prstGeom prst="rect">
+            <a:avLst/>
+          </a:prstGeom>
+        </p:spPr>
+        <p:txBody>
+          <a:bodyPr anchorCtr="0" anchor="t" bIns="91425" lIns="91425" spcFirstLastPara="1" rIns="91425" wrap="square" tIns="91425">
+            <a:noAutofit/>
+          </a:bodyPr>
+          <a:lstStyle/>
+          <a:p>
+            <a:pPr indent="0" lvl="0" marL="0" rtl="0" algn="l">
+              <a:spcBef>
+                <a:spcPts val="0"/>
+              </a:spcBef>
+              <a:spcAft>
+                <a:spcPts val="0"/>
+              </a:spcAft>
+              <a:buNone/>
+            </a:pPr>
+            <a:r>
+              <a:t/>
+            </a:r>
+            <a:endParaRPr/>
+          </a:p>
+        </p:txBody>
+      </p:sp>
+    </p:spTree>
+  </p:cSld>
+  <p:clrMapOvr>
+    <a:masterClrMapping/>
+  </p:clrMapOvr>
+</p:notes>
+</file>
+
+<file path=ppt/notesSlides/notesSlide11.xml><?xml version="1.0" encoding="utf-8"?>
+<p:notes xmlns:a="http://schemas.openxmlformats.org/drawingml/2006/main" xmlns:r="http://schemas.openxmlformats.org/officeDocument/2006/relationships" xmlns:mc="http://schemas.openxmlformats.org/markup-compatibility/2006" xmlns:mv="urn:schemas-microsoft-com:mac:vml" xmlns:p="http://schemas.openxmlformats.org/presentationml/2006/main" xmlns:c="http://schemas.openxmlformats.org/drawingml/2006/chart" xmlns:dgm="http://schemas.openxmlformats.org/drawingml/2006/diagram" xmlns:o="urn:schemas-microsoft-com:office:office" xmlns:v="urn:schemas-microsoft-com:vml" xmlns:pvml="urn:schemas-microsoft-com:office:powerpoint" xmlns:com="http://schemas.openxmlformats.org/drawingml/2006/compatibility" xmlns:p14="http://schemas.microsoft.com/office/powerpoint/2010/main" xmlns:p15="http://schemas.microsoft.com/office/powerpoint/2012/main" showMasterPhAnim="0" showMasterSp="0">
+  <p:cSld>
+    <p:spTree>
+      <p:nvGrpSpPr>
+        <p:cNvPr id="137" name="Shape 137"/>
+        <p:cNvGrpSpPr/>
+        <p:nvPr/>
+      </p:nvGrpSpPr>
+      <p:grpSpPr>
+        <a:xfrm>
+          <a:off x="0" y="0"/>
+          <a:ext cx="0" cy="0"/>
+          <a:chOff x="0" y="0"/>
+          <a:chExt cx="0" cy="0"/>
+        </a:xfrm>
+      </p:grpSpPr>
+      <p:sp>
+        <p:nvSpPr>
+          <p:cNvPr id="138" name="Google Shape;138;g758e67e8a5_4_27:notes"/>
+          <p:cNvSpPr/>
+          <p:nvPr>
+            <p:ph idx="2" type="sldImg"/>
+          </p:nvPr>
+        </p:nvSpPr>
+        <p:spPr>
+          <a:xfrm>
+            <a:off x="381300" y="685800"/>
+            <a:ext cx="6096000" cy="3429000"/>
+          </a:xfrm>
+          <a:custGeom>
+            <a:rect b="b" l="l" r="r" t="t"/>
+            <a:pathLst>
+              <a:path extrusionOk="0" h="120000" w="120000">
+                <a:moveTo>
+                  <a:pt x="0" y="0"/>
+                </a:moveTo>
+                <a:lnTo>
+                  <a:pt x="120000" y="0"/>
+                </a:lnTo>
+                <a:lnTo>
+                  <a:pt x="120000" y="120000"/>
+                </a:lnTo>
+                <a:lnTo>
+                  <a:pt x="0" y="120000"/>
+                </a:lnTo>
+                <a:close/>
+              </a:path>
+            </a:pathLst>
+          </a:custGeom>
+        </p:spPr>
+      </p:sp>
+      <p:sp>
+        <p:nvSpPr>
+          <p:cNvPr id="139" name="Google Shape;139;g758e67e8a5_4_27:notes"/>
           <p:cNvSpPr txBox="1"/>
           <p:nvPr>
             <p:ph idx="1" type="body"/>
@@ -1195,7 +1295,7 @@
   <p:cSld>
     <p:spTree>
       <p:nvGrpSpPr>
-        <p:cNvPr id="83" name="Shape 83"/>
+        <p:cNvPr id="84" name="Shape 84"/>
         <p:cNvGrpSpPr/>
         <p:nvPr/>
       </p:nvGrpSpPr>
@@ -1209,7 +1309,7 @@
       </p:grpSpPr>
       <p:sp>
         <p:nvSpPr>
-          <p:cNvPr id="84" name="Google Shape;84;g758e67e8a5_0_9:notes"/>
+          <p:cNvPr id="85" name="Google Shape;85;g6c280a1037_0_0:notes"/>
           <p:cNvSpPr/>
           <p:nvPr>
             <p:ph idx="2" type="sldImg"/>
@@ -1244,7 +1344,7 @@
       </p:sp>
       <p:sp>
         <p:nvSpPr>
-          <p:cNvPr id="85" name="Google Shape;85;g758e67e8a5_0_9:notes"/>
+          <p:cNvPr id="86" name="Google Shape;86;g6c280a1037_0_0:notes"/>
           <p:cNvSpPr txBox="1"/>
           <p:nvPr>
             <p:ph idx="1" type="body"/>
@@ -1294,7 +1394,7 @@
   <p:cSld>
     <p:spTree>
       <p:nvGrpSpPr>
-        <p:cNvPr id="101" name="Shape 101"/>
+        <p:cNvPr id="91" name="Shape 91"/>
         <p:cNvGrpSpPr/>
         <p:nvPr/>
       </p:nvGrpSpPr>
@@ -1308,7 +1408,7 @@
       </p:grpSpPr>
       <p:sp>
         <p:nvSpPr>
-          <p:cNvPr id="102" name="Google Shape;102;g758e67e8a5_4_0:notes"/>
+          <p:cNvPr id="92" name="Google Shape;92;g758e67e8a5_0_9:notes"/>
           <p:cNvSpPr/>
           <p:nvPr>
             <p:ph idx="2" type="sldImg"/>
@@ -1343,7 +1443,7 @@
       </p:sp>
       <p:sp>
         <p:nvSpPr>
-          <p:cNvPr id="103" name="Google Shape;103;g758e67e8a5_4_0:notes"/>
+          <p:cNvPr id="93" name="Google Shape;93;g758e67e8a5_0_9:notes"/>
           <p:cNvSpPr txBox="1"/>
           <p:nvPr>
             <p:ph idx="1" type="body"/>
@@ -1393,7 +1493,7 @@
   <p:cSld>
     <p:spTree>
       <p:nvGrpSpPr>
-        <p:cNvPr id="108" name="Shape 108"/>
+        <p:cNvPr id="109" name="Shape 109"/>
         <p:cNvGrpSpPr/>
         <p:nvPr/>
       </p:nvGrpSpPr>
@@ -1407,7 +1507,7 @@
       </p:grpSpPr>
       <p:sp>
         <p:nvSpPr>
-          <p:cNvPr id="109" name="Google Shape;109;g758e67e8a5_4_5:notes"/>
+          <p:cNvPr id="110" name="Google Shape;110;g758e67e8a5_4_0:notes"/>
           <p:cNvSpPr/>
           <p:nvPr>
             <p:ph idx="2" type="sldImg"/>
@@ -1442,7 +1542,7 @@
       </p:sp>
       <p:sp>
         <p:nvSpPr>
-          <p:cNvPr id="110" name="Google Shape;110;g758e67e8a5_4_5:notes"/>
+          <p:cNvPr id="111" name="Google Shape;111;g758e67e8a5_4_0:notes"/>
           <p:cNvSpPr txBox="1"/>
           <p:nvPr>
             <p:ph idx="1" type="body"/>
@@ -1492,7 +1592,7 @@
   <p:cSld>
     <p:spTree>
       <p:nvGrpSpPr>
-        <p:cNvPr id="115" name="Shape 115"/>
+        <p:cNvPr id="116" name="Shape 116"/>
         <p:cNvGrpSpPr/>
         <p:nvPr/>
       </p:nvGrpSpPr>
@@ -1506,7 +1606,7 @@
       </p:grpSpPr>
       <p:sp>
         <p:nvSpPr>
-          <p:cNvPr id="116" name="Google Shape;116;g758e67e8a5_4_14:notes"/>
+          <p:cNvPr id="117" name="Google Shape;117;g758e67e8a5_4_5:notes"/>
           <p:cNvSpPr/>
           <p:nvPr>
             <p:ph idx="2" type="sldImg"/>
@@ -1541,7 +1641,7 @@
       </p:sp>
       <p:sp>
         <p:nvSpPr>
-          <p:cNvPr id="117" name="Google Shape;117;g758e67e8a5_4_14:notes"/>
+          <p:cNvPr id="118" name="Google Shape;118;g758e67e8a5_4_5:notes"/>
           <p:cNvSpPr txBox="1"/>
           <p:nvPr>
             <p:ph idx="1" type="body"/>
@@ -1591,7 +1691,7 @@
   <p:cSld>
     <p:spTree>
       <p:nvGrpSpPr>
-        <p:cNvPr id="121" name="Shape 121"/>
+        <p:cNvPr id="123" name="Shape 123"/>
         <p:cNvGrpSpPr/>
         <p:nvPr/>
       </p:nvGrpSpPr>
@@ -1605,7 +1705,7 @@
       </p:grpSpPr>
       <p:sp>
         <p:nvSpPr>
-          <p:cNvPr id="122" name="Google Shape;122;g758e67e8a5_4_20:notes"/>
+          <p:cNvPr id="124" name="Google Shape;124;g758e67e8a5_4_14:notes"/>
           <p:cNvSpPr/>
           <p:nvPr>
             <p:ph idx="2" type="sldImg"/>
@@ -1640,7 +1740,7 @@
       </p:sp>
       <p:sp>
         <p:nvSpPr>
-          <p:cNvPr id="123" name="Google Shape;123;g758e67e8a5_4_20:notes"/>
+          <p:cNvPr id="125" name="Google Shape;125;g758e67e8a5_4_14:notes"/>
           <p:cNvSpPr txBox="1"/>
           <p:nvPr>
             <p:ph idx="1" type="body"/>
@@ -6472,7 +6572,7 @@
         </p:blipFill>
         <p:spPr>
           <a:xfrm>
-            <a:off x="152400" y="601200"/>
+            <a:off x="152400" y="600588"/>
             <a:ext cx="8839198" cy="3942320"/>
           </a:xfrm>
           <a:prstGeom prst="rect">
@@ -6492,8 +6592,8 @@
         </p:nvSpPr>
         <p:spPr>
           <a:xfrm>
-            <a:off x="7551500" y="3968400"/>
-            <a:ext cx="1310100" cy="411000"/>
+            <a:off x="333900" y="3904175"/>
+            <a:ext cx="1386900" cy="475200"/>
           </a:xfrm>
           <a:prstGeom prst="rect">
             <a:avLst/>
@@ -6534,6 +6634,218 @@
       <p:sp>
         <p:nvSpPr>
           <p:cNvPr id="135" name="Google Shape;135;p22"/>
+          <p:cNvSpPr/>
+          <p:nvPr/>
+        </p:nvSpPr>
+        <p:spPr>
+          <a:xfrm rot="-2999269">
+            <a:off x="1643717" y="3493320"/>
+            <a:ext cx="1310210" cy="141162"/>
+          </a:xfrm>
+          <a:prstGeom prst="rightArrow">
+            <a:avLst>
+              <a:gd fmla="val 50000" name="adj1"/>
+              <a:gd fmla="val 50000" name="adj2"/>
+            </a:avLst>
+          </a:prstGeom>
+          <a:solidFill>
+            <a:srgbClr val="FF0000">
+              <a:alpha val="35030"/>
+            </a:srgbClr>
+          </a:solidFill>
+          <a:ln cap="flat" cmpd="sng" w="19050">
+            <a:solidFill>
+              <a:srgbClr val="FF0000"/>
+            </a:solidFill>
+            <a:prstDash val="solid"/>
+            <a:round/>
+            <a:headEnd len="sm" w="sm" type="none"/>
+            <a:tailEnd len="sm" w="sm" type="none"/>
+          </a:ln>
+        </p:spPr>
+        <p:txBody>
+          <a:bodyPr anchorCtr="0" anchor="ctr" bIns="91425" lIns="91425" spcFirstLastPara="1" rIns="91425" wrap="square" tIns="91425">
+            <a:noAutofit/>
+          </a:bodyPr>
+          <a:lstStyle/>
+          <a:p>
+            <a:pPr indent="0" lvl="0" marL="0" rtl="0" algn="l">
+              <a:spcBef>
+                <a:spcPts val="0"/>
+              </a:spcBef>
+              <a:spcAft>
+                <a:spcPts val="0"/>
+              </a:spcAft>
+              <a:buNone/>
+            </a:pPr>
+            <a:r>
+              <a:t/>
+            </a:r>
+            <a:endParaRPr/>
+          </a:p>
+        </p:txBody>
+      </p:sp>
+      <p:sp>
+        <p:nvSpPr>
+          <p:cNvPr id="136" name="Google Shape;136;p22"/>
+          <p:cNvSpPr txBox="1"/>
+          <p:nvPr/>
+        </p:nvSpPr>
+        <p:spPr>
+          <a:xfrm>
+            <a:off x="4225925" y="3136100"/>
+            <a:ext cx="1995300" cy="855600"/>
+          </a:xfrm>
+          <a:prstGeom prst="rect">
+            <a:avLst/>
+          </a:prstGeom>
+          <a:noFill/>
+          <a:ln>
+            <a:noFill/>
+          </a:ln>
+        </p:spPr>
+        <p:txBody>
+          <a:bodyPr anchorCtr="0" anchor="t" bIns="91425" lIns="91425" spcFirstLastPara="1" rIns="91425" wrap="square" tIns="91425">
+            <a:noAutofit/>
+          </a:bodyPr>
+          <a:lstStyle/>
+          <a:p>
+            <a:pPr indent="0" lvl="0" marL="0" rtl="0" algn="l">
+              <a:spcBef>
+                <a:spcPts val="0"/>
+              </a:spcBef>
+              <a:spcAft>
+                <a:spcPts val="0"/>
+              </a:spcAft>
+              <a:buNone/>
+            </a:pPr>
+            <a:r>
+              <a:rPr lang="zh-CN">
+                <a:solidFill>
+                  <a:srgbClr val="FF0000"/>
+                </a:solidFill>
+              </a:rPr>
+              <a:t>CloseCourse.</a:t>
+            </a:r>
+            <a:r>
+              <a:rPr lang="zh-CN">
+                <a:solidFill>
+                  <a:srgbClr val="FF0000"/>
+                </a:solidFill>
+              </a:rPr>
+              <a:t>fxml</a:t>
+            </a:r>
+            <a:endParaRPr>
+              <a:solidFill>
+                <a:srgbClr val="FF0000"/>
+              </a:solidFill>
+            </a:endParaRPr>
+          </a:p>
+        </p:txBody>
+      </p:sp>
+    </p:spTree>
+  </p:cSld>
+  <p:clrMapOvr>
+    <a:masterClrMapping/>
+  </p:clrMapOvr>
+</p:sld>
+</file>
+
+<file path=ppt/slides/slide11.xml><?xml version="1.0" encoding="utf-8"?>
+<p:sld xmlns:a="http://schemas.openxmlformats.org/drawingml/2006/main" xmlns:r="http://schemas.openxmlformats.org/officeDocument/2006/relationships" xmlns:mc="http://schemas.openxmlformats.org/markup-compatibility/2006" xmlns:mv="urn:schemas-microsoft-com:mac:vml" xmlns:p="http://schemas.openxmlformats.org/presentationml/2006/main" xmlns:c="http://schemas.openxmlformats.org/drawingml/2006/chart" xmlns:dgm="http://schemas.openxmlformats.org/drawingml/2006/diagram" xmlns:o="urn:schemas-microsoft-com:office:office" xmlns:v="urn:schemas-microsoft-com:vml" xmlns:pvml="urn:schemas-microsoft-com:office:powerpoint" xmlns:com="http://schemas.openxmlformats.org/drawingml/2006/compatibility" xmlns:p14="http://schemas.microsoft.com/office/powerpoint/2010/main" xmlns:p15="http://schemas.microsoft.com/office/powerpoint/2012/main">
+  <p:cSld>
+    <p:spTree>
+      <p:nvGrpSpPr>
+        <p:cNvPr id="140" name="Shape 140"/>
+        <p:cNvGrpSpPr/>
+        <p:nvPr/>
+      </p:nvGrpSpPr>
+      <p:grpSpPr>
+        <a:xfrm>
+          <a:off x="0" y="0"/>
+          <a:ext cx="0" cy="0"/>
+          <a:chOff x="0" y="0"/>
+          <a:chExt cx="0" cy="0"/>
+        </a:xfrm>
+      </p:grpSpPr>
+      <p:pic>
+        <p:nvPicPr>
+          <p:cNvPr id="141" name="Google Shape;141;p23"/>
+          <p:cNvPicPr preferRelativeResize="0"/>
+          <p:nvPr/>
+        </p:nvPicPr>
+        <p:blipFill>
+          <a:blip r:embed="rId3">
+            <a:alphaModFix/>
+          </a:blip>
+          <a:stretch>
+            <a:fillRect/>
+          </a:stretch>
+        </p:blipFill>
+        <p:spPr>
+          <a:xfrm>
+            <a:off x="152400" y="601200"/>
+            <a:ext cx="8839198" cy="3942320"/>
+          </a:xfrm>
+          <a:prstGeom prst="rect">
+            <a:avLst/>
+          </a:prstGeom>
+          <a:noFill/>
+          <a:ln>
+            <a:noFill/>
+          </a:ln>
+        </p:spPr>
+      </p:pic>
+      <p:sp>
+        <p:nvSpPr>
+          <p:cNvPr id="142" name="Google Shape;142;p23"/>
+          <p:cNvSpPr/>
+          <p:nvPr/>
+        </p:nvSpPr>
+        <p:spPr>
+          <a:xfrm>
+            <a:off x="7551500" y="3968400"/>
+            <a:ext cx="1310100" cy="411000"/>
+          </a:xfrm>
+          <a:prstGeom prst="rect">
+            <a:avLst/>
+          </a:prstGeom>
+          <a:noFill/>
+          <a:ln cap="flat" cmpd="sng" w="19050">
+            <a:solidFill>
+              <a:srgbClr val="FC2929"/>
+            </a:solidFill>
+            <a:prstDash val="solid"/>
+            <a:round/>
+            <a:headEnd len="sm" w="sm" type="none"/>
+            <a:tailEnd len="sm" w="sm" type="none"/>
+          </a:ln>
+        </p:spPr>
+        <p:txBody>
+          <a:bodyPr anchorCtr="0" anchor="ctr" bIns="91425" lIns="91425" spcFirstLastPara="1" rIns="91425" wrap="square" tIns="91425">
+            <a:noAutofit/>
+          </a:bodyPr>
+          <a:lstStyle/>
+          <a:p>
+            <a:pPr indent="0" lvl="0" marL="0" rtl="0" algn="l">
+              <a:spcBef>
+                <a:spcPts val="0"/>
+              </a:spcBef>
+              <a:spcAft>
+                <a:spcPts val="0"/>
+              </a:spcAft>
+              <a:buNone/>
+            </a:pPr>
+            <a:r>
+              <a:t/>
+            </a:r>
+            <a:endParaRPr/>
+          </a:p>
+        </p:txBody>
+      </p:sp>
+      <p:sp>
+        <p:nvSpPr>
+          <p:cNvPr id="143" name="Google Shape;143;p23"/>
           <p:cNvSpPr/>
           <p:nvPr/>
         </p:nvSpPr>
@@ -7327,6 +7639,56 @@
           </a:p>
         </p:txBody>
       </p:sp>
+      <p:sp>
+        <p:nvSpPr>
+          <p:cNvPr id="83" name="Google Shape;83;p16"/>
+          <p:cNvSpPr txBox="1"/>
+          <p:nvPr/>
+        </p:nvSpPr>
+        <p:spPr>
+          <a:xfrm>
+            <a:off x="6234975" y="2715025"/>
+            <a:ext cx="1405200" cy="614100"/>
+          </a:xfrm>
+          <a:prstGeom prst="rect">
+            <a:avLst/>
+          </a:prstGeom>
+          <a:noFill/>
+          <a:ln>
+            <a:noFill/>
+          </a:ln>
+        </p:spPr>
+        <p:txBody>
+          <a:bodyPr anchorCtr="0" anchor="t" bIns="91425" lIns="91425" spcFirstLastPara="1" rIns="91425" wrap="square" tIns="91425">
+            <a:noAutofit/>
+          </a:bodyPr>
+          <a:lstStyle/>
+          <a:p>
+            <a:pPr indent="0" lvl="0" marL="0" rtl="0" algn="l">
+              <a:spcBef>
+                <a:spcPts val="0"/>
+              </a:spcBef>
+              <a:spcAft>
+                <a:spcPts val="0"/>
+              </a:spcAft>
+              <a:buNone/>
+            </a:pPr>
+            <a:r>
+              <a:rPr lang="zh-CN">
+                <a:solidFill>
+                  <a:srgbClr val="FF0000"/>
+                </a:solidFill>
+              </a:rPr>
+              <a:t>view</a:t>
+            </a:r>
+            <a:endParaRPr>
+              <a:solidFill>
+                <a:srgbClr val="FF0000"/>
+              </a:solidFill>
+            </a:endParaRPr>
+          </a:p>
+        </p:txBody>
+      </p:sp>
     </p:spTree>
   </p:cSld>
   <p:clrMapOvr>
@@ -7340,7 +7702,152 @@
   <p:cSld>
     <p:spTree>
       <p:nvGrpSpPr>
-        <p:cNvPr id="86" name="Shape 86"/>
+        <p:cNvPr id="87" name="Shape 87"/>
+        <p:cNvGrpSpPr/>
+        <p:nvPr/>
+      </p:nvGrpSpPr>
+      <p:grpSpPr>
+        <a:xfrm>
+          <a:off x="0" y="0"/>
+          <a:ext cx="0" cy="0"/>
+          <a:chOff x="0" y="0"/>
+          <a:chExt cx="0" cy="0"/>
+        </a:xfrm>
+      </p:grpSpPr>
+      <p:sp>
+        <p:nvSpPr>
+          <p:cNvPr id="88" name="Google Shape;88;p17"/>
+          <p:cNvSpPr txBox="1"/>
+          <p:nvPr/>
+        </p:nvSpPr>
+        <p:spPr>
+          <a:xfrm>
+            <a:off x="436575" y="231925"/>
+            <a:ext cx="4038300" cy="614100"/>
+          </a:xfrm>
+          <a:prstGeom prst="rect">
+            <a:avLst/>
+          </a:prstGeom>
+          <a:noFill/>
+          <a:ln>
+            <a:noFill/>
+          </a:ln>
+        </p:spPr>
+        <p:txBody>
+          <a:bodyPr anchorCtr="0" anchor="t" bIns="91425" lIns="91425" spcFirstLastPara="1" rIns="91425" wrap="square" tIns="91425">
+            <a:noAutofit/>
+          </a:bodyPr>
+          <a:lstStyle/>
+          <a:p>
+            <a:pPr indent="0" lvl="0" marL="0" rtl="0" algn="l">
+              <a:spcBef>
+                <a:spcPts val="0"/>
+              </a:spcBef>
+              <a:spcAft>
+                <a:spcPts val="0"/>
+              </a:spcAft>
+              <a:buNone/>
+            </a:pPr>
+            <a:r>
+              <a:rPr lang="zh-CN"/>
+              <a:t>上一页的ok改成view。跳转到这一页</a:t>
+            </a:r>
+            <a:endParaRPr/>
+          </a:p>
+        </p:txBody>
+      </p:sp>
+      <p:pic>
+        <p:nvPicPr>
+          <p:cNvPr id="89" name="Google Shape;89;p17"/>
+          <p:cNvPicPr preferRelativeResize="0"/>
+          <p:nvPr/>
+        </p:nvPicPr>
+        <p:blipFill>
+          <a:blip r:embed="rId3">
+            <a:alphaModFix/>
+          </a:blip>
+          <a:stretch>
+            <a:fillRect/>
+          </a:stretch>
+        </p:blipFill>
+        <p:spPr>
+          <a:xfrm>
+            <a:off x="4627275" y="152400"/>
+            <a:ext cx="3817547" cy="4838702"/>
+          </a:xfrm>
+          <a:prstGeom prst="rect">
+            <a:avLst/>
+          </a:prstGeom>
+          <a:noFill/>
+          <a:ln>
+            <a:noFill/>
+          </a:ln>
+        </p:spPr>
+      </p:pic>
+      <p:sp>
+        <p:nvSpPr>
+          <p:cNvPr id="90" name="Google Shape;90;p17"/>
+          <p:cNvSpPr txBox="1"/>
+          <p:nvPr/>
+        </p:nvSpPr>
+        <p:spPr>
+          <a:xfrm>
+            <a:off x="1036875" y="1623550"/>
+            <a:ext cx="7334700" cy="855600"/>
+          </a:xfrm>
+          <a:prstGeom prst="rect">
+            <a:avLst/>
+          </a:prstGeom>
+          <a:noFill/>
+          <a:ln>
+            <a:noFill/>
+          </a:ln>
+        </p:spPr>
+        <p:txBody>
+          <a:bodyPr anchorCtr="0" anchor="t" bIns="91425" lIns="91425" spcFirstLastPara="1" rIns="91425" wrap="square" tIns="91425">
+            <a:noAutofit/>
+          </a:bodyPr>
+          <a:lstStyle/>
+          <a:p>
+            <a:pPr indent="0" lvl="0" marL="0" rtl="0" algn="l">
+              <a:spcBef>
+                <a:spcPts val="0"/>
+              </a:spcBef>
+              <a:spcAft>
+                <a:spcPts val="0"/>
+              </a:spcAft>
+              <a:buNone/>
+            </a:pPr>
+            <a:r>
+              <a:rPr lang="zh-CN">
+                <a:solidFill>
+                  <a:srgbClr val="FF0000"/>
+                </a:solidFill>
+              </a:rPr>
+              <a:t>TemplateInformation.fxml</a:t>
+            </a:r>
+            <a:endParaRPr>
+              <a:solidFill>
+                <a:srgbClr val="FF0000"/>
+              </a:solidFill>
+            </a:endParaRPr>
+          </a:p>
+        </p:txBody>
+      </p:sp>
+    </p:spTree>
+  </p:cSld>
+  <p:clrMapOvr>
+    <a:masterClrMapping/>
+  </p:clrMapOvr>
+</p:sld>
+</file>
+
+<file path=ppt/slides/slide6.xml><?xml version="1.0" encoding="utf-8"?>
+<p:sld xmlns:a="http://schemas.openxmlformats.org/drawingml/2006/main" xmlns:r="http://schemas.openxmlformats.org/officeDocument/2006/relationships" xmlns:mc="http://schemas.openxmlformats.org/markup-compatibility/2006" xmlns:mv="urn:schemas-microsoft-com:mac:vml" xmlns:p="http://schemas.openxmlformats.org/presentationml/2006/main" xmlns:c="http://schemas.openxmlformats.org/drawingml/2006/chart" xmlns:dgm="http://schemas.openxmlformats.org/drawingml/2006/diagram" xmlns:o="urn:schemas-microsoft-com:office:office" xmlns:v="urn:schemas-microsoft-com:vml" xmlns:pvml="urn:schemas-microsoft-com:office:powerpoint" xmlns:com="http://schemas.openxmlformats.org/drawingml/2006/compatibility" xmlns:p14="http://schemas.microsoft.com/office/powerpoint/2010/main" xmlns:p15="http://schemas.microsoft.com/office/powerpoint/2012/main">
+  <p:cSld>
+    <p:spTree>
+      <p:nvGrpSpPr>
+        <p:cNvPr id="94" name="Shape 94"/>
         <p:cNvGrpSpPr/>
         <p:nvPr/>
       </p:nvGrpSpPr>
@@ -7354,7 +7861,7 @@
       </p:grpSpPr>
       <p:pic>
         <p:nvPicPr>
-          <p:cNvPr id="87" name="Google Shape;87;p17"/>
+          <p:cNvPr id="95" name="Google Shape;95;p18"/>
           <p:cNvPicPr preferRelativeResize="0"/>
           <p:nvPr/>
         </p:nvPicPr>
@@ -7382,7 +7889,7 @@
       </p:pic>
       <p:sp>
         <p:nvSpPr>
-          <p:cNvPr id="88" name="Google Shape;88;p17"/>
+          <p:cNvPr id="96" name="Google Shape;96;p18"/>
           <p:cNvSpPr txBox="1"/>
           <p:nvPr/>
         </p:nvSpPr>
@@ -7428,7 +7935,7 @@
       </p:sp>
       <p:sp>
         <p:nvSpPr>
-          <p:cNvPr id="89" name="Google Shape;89;p17"/>
+          <p:cNvPr id="97" name="Google Shape;97;p18"/>
           <p:cNvSpPr txBox="1"/>
           <p:nvPr/>
         </p:nvSpPr>
@@ -7474,7 +7981,7 @@
       </p:sp>
       <p:sp>
         <p:nvSpPr>
-          <p:cNvPr id="90" name="Google Shape;90;p17"/>
+          <p:cNvPr id="98" name="Google Shape;98;p18"/>
           <p:cNvSpPr txBox="1"/>
           <p:nvPr/>
         </p:nvSpPr>
@@ -7520,7 +8027,7 @@
       </p:sp>
       <p:sp>
         <p:nvSpPr>
-          <p:cNvPr id="91" name="Google Shape;91;p17"/>
+          <p:cNvPr id="99" name="Google Shape;99;p18"/>
           <p:cNvSpPr txBox="1"/>
           <p:nvPr/>
         </p:nvSpPr>
@@ -7562,7 +8069,7 @@
       </p:sp>
       <p:sp>
         <p:nvSpPr>
-          <p:cNvPr id="92" name="Google Shape;92;p17"/>
+          <p:cNvPr id="100" name="Google Shape;100;p18"/>
           <p:cNvSpPr txBox="1"/>
           <p:nvPr/>
         </p:nvSpPr>
@@ -7604,7 +8111,7 @@
       </p:sp>
       <p:sp>
         <p:nvSpPr>
-          <p:cNvPr id="93" name="Google Shape;93;p17"/>
+          <p:cNvPr id="101" name="Google Shape;101;p18"/>
           <p:cNvSpPr txBox="1"/>
           <p:nvPr/>
         </p:nvSpPr>
@@ -7702,7 +8209,7 @@
       </p:sp>
       <p:pic>
         <p:nvPicPr>
-          <p:cNvPr id="94" name="Google Shape;94;p17"/>
+          <p:cNvPr id="102" name="Google Shape;102;p18"/>
           <p:cNvPicPr preferRelativeResize="0"/>
           <p:nvPr/>
         </p:nvPicPr>
@@ -7730,7 +8237,7 @@
       </p:pic>
       <p:sp>
         <p:nvSpPr>
-          <p:cNvPr id="95" name="Google Shape;95;p17"/>
+          <p:cNvPr id="103" name="Google Shape;103;p18"/>
           <p:cNvSpPr txBox="1"/>
           <p:nvPr/>
         </p:nvSpPr>
@@ -7792,7 +8299,7 @@
       </p:sp>
       <p:sp>
         <p:nvSpPr>
-          <p:cNvPr id="96" name="Google Shape;96;p17"/>
+          <p:cNvPr id="104" name="Google Shape;104;p18"/>
           <p:cNvSpPr/>
           <p:nvPr/>
         </p:nvSpPr>
@@ -7839,7 +8346,7 @@
       </p:sp>
       <p:sp>
         <p:nvSpPr>
-          <p:cNvPr id="97" name="Google Shape;97;p17"/>
+          <p:cNvPr id="105" name="Google Shape;105;p18"/>
           <p:cNvSpPr/>
           <p:nvPr/>
         </p:nvSpPr>
@@ -7886,7 +8393,7 @@
       </p:sp>
       <p:sp>
         <p:nvSpPr>
-          <p:cNvPr id="98" name="Google Shape;98;p17"/>
+          <p:cNvPr id="106" name="Google Shape;106;p18"/>
           <p:cNvSpPr/>
           <p:nvPr/>
         </p:nvSpPr>
@@ -7940,7 +8447,7 @@
       </p:sp>
       <p:sp>
         <p:nvSpPr>
-          <p:cNvPr id="99" name="Google Shape;99;p17"/>
+          <p:cNvPr id="107" name="Google Shape;107;p18"/>
           <p:cNvSpPr txBox="1"/>
           <p:nvPr/>
         </p:nvSpPr>
@@ -7998,7 +8505,7 @@
       </p:sp>
       <p:sp>
         <p:nvSpPr>
-          <p:cNvPr id="100" name="Google Shape;100;p17"/>
+          <p:cNvPr id="108" name="Google Shape;108;p18"/>
           <p:cNvSpPr txBox="1"/>
           <p:nvPr/>
         </p:nvSpPr>
@@ -8062,12 +8569,12 @@
 </p:sld>
 </file>
 
-<file path=ppt/slides/slide6.xml><?xml version="1.0" encoding="utf-8"?>
+<file path=ppt/slides/slide7.xml><?xml version="1.0" encoding="utf-8"?>
 <p:sld xmlns:a="http://schemas.openxmlformats.org/drawingml/2006/main" xmlns:r="http://schemas.openxmlformats.org/officeDocument/2006/relationships" xmlns:mc="http://schemas.openxmlformats.org/markup-compatibility/2006" xmlns:mv="urn:schemas-microsoft-com:mac:vml" xmlns:p="http://schemas.openxmlformats.org/presentationml/2006/main" xmlns:c="http://schemas.openxmlformats.org/drawingml/2006/chart" xmlns:dgm="http://schemas.openxmlformats.org/drawingml/2006/diagram" xmlns:o="urn:schemas-microsoft-com:office:office" xmlns:v="urn:schemas-microsoft-com:vml" xmlns:pvml="urn:schemas-microsoft-com:office:powerpoint" xmlns:com="http://schemas.openxmlformats.org/drawingml/2006/compatibility" xmlns:p14="http://schemas.microsoft.com/office/powerpoint/2010/main" xmlns:p15="http://schemas.microsoft.com/office/powerpoint/2012/main">
   <p:cSld>
     <p:spTree>
       <p:nvGrpSpPr>
-        <p:cNvPr id="104" name="Shape 104"/>
+        <p:cNvPr id="112" name="Shape 112"/>
         <p:cNvGrpSpPr/>
         <p:nvPr/>
       </p:nvGrpSpPr>
@@ -8081,7 +8588,7 @@
       </p:grpSpPr>
       <p:sp>
         <p:nvSpPr>
-          <p:cNvPr id="105" name="Google Shape;105;p18"/>
+          <p:cNvPr id="113" name="Google Shape;113;p19"/>
           <p:cNvSpPr txBox="1"/>
           <p:nvPr/>
         </p:nvSpPr>
@@ -8138,7 +8645,7 @@
       </p:sp>
       <p:pic>
         <p:nvPicPr>
-          <p:cNvPr id="106" name="Google Shape;106;p18"/>
+          <p:cNvPr id="114" name="Google Shape;114;p19"/>
           <p:cNvPicPr preferRelativeResize="0"/>
           <p:nvPr/>
         </p:nvPicPr>
@@ -8166,7 +8673,7 @@
       </p:pic>
       <p:sp>
         <p:nvSpPr>
-          <p:cNvPr id="107" name="Google Shape;107;p18"/>
+          <p:cNvPr id="115" name="Google Shape;115;p19"/>
           <p:cNvSpPr txBox="1"/>
           <p:nvPr/>
         </p:nvSpPr>
@@ -8222,12 +8729,12 @@
 </p:sld>
 </file>
 
-<file path=ppt/slides/slide7.xml><?xml version="1.0" encoding="utf-8"?>
+<file path=ppt/slides/slide8.xml><?xml version="1.0" encoding="utf-8"?>
 <p:sld xmlns:a="http://schemas.openxmlformats.org/drawingml/2006/main" xmlns:r="http://schemas.openxmlformats.org/officeDocument/2006/relationships" xmlns:mc="http://schemas.openxmlformats.org/markup-compatibility/2006" xmlns:mv="urn:schemas-microsoft-com:mac:vml" xmlns:p="http://schemas.openxmlformats.org/presentationml/2006/main" xmlns:c="http://schemas.openxmlformats.org/drawingml/2006/chart" xmlns:dgm="http://schemas.openxmlformats.org/drawingml/2006/diagram" xmlns:o="urn:schemas-microsoft-com:office:office" xmlns:v="urn:schemas-microsoft-com:vml" xmlns:pvml="urn:schemas-microsoft-com:office:powerpoint" xmlns:com="http://schemas.openxmlformats.org/drawingml/2006/compatibility" xmlns:p14="http://schemas.microsoft.com/office/powerpoint/2010/main" xmlns:p15="http://schemas.microsoft.com/office/powerpoint/2012/main">
   <p:cSld>
     <p:spTree>
       <p:nvGrpSpPr>
-        <p:cNvPr id="111" name="Shape 111"/>
+        <p:cNvPr id="119" name="Shape 119"/>
         <p:cNvGrpSpPr/>
         <p:nvPr/>
       </p:nvGrpSpPr>
@@ -8241,7 +8748,7 @@
       </p:grpSpPr>
       <p:pic>
         <p:nvPicPr>
-          <p:cNvPr id="112" name="Google Shape;112;p19"/>
+          <p:cNvPr id="120" name="Google Shape;120;p20"/>
           <p:cNvPicPr preferRelativeResize="0"/>
           <p:nvPr/>
         </p:nvPicPr>
@@ -8269,7 +8776,7 @@
       </p:pic>
       <p:sp>
         <p:nvSpPr>
-          <p:cNvPr id="113" name="Google Shape;113;p19"/>
+          <p:cNvPr id="121" name="Google Shape;121;p20"/>
           <p:cNvSpPr txBox="1"/>
           <p:nvPr/>
         </p:nvSpPr>
@@ -8311,113 +8818,13 @@
       </p:sp>
       <p:sp>
         <p:nvSpPr>
-          <p:cNvPr id="114" name="Google Shape;114;p19"/>
+          <p:cNvPr id="122" name="Google Shape;122;p20"/>
           <p:cNvSpPr/>
           <p:nvPr/>
         </p:nvSpPr>
         <p:spPr>
           <a:xfrm>
             <a:off x="4726100" y="1451225"/>
-            <a:ext cx="192600" cy="218400"/>
-          </a:xfrm>
-          <a:prstGeom prst="rect">
-            <a:avLst/>
-          </a:prstGeom>
-          <a:noFill/>
-          <a:ln cap="flat" cmpd="sng" w="19050">
-            <a:solidFill>
-              <a:srgbClr val="FC2929"/>
-            </a:solidFill>
-            <a:prstDash val="solid"/>
-            <a:round/>
-            <a:headEnd len="sm" w="sm" type="none"/>
-            <a:tailEnd len="sm" w="sm" type="none"/>
-          </a:ln>
-        </p:spPr>
-        <p:txBody>
-          <a:bodyPr anchorCtr="0" anchor="ctr" bIns="91425" lIns="91425" spcFirstLastPara="1" rIns="91425" wrap="square" tIns="91425">
-            <a:noAutofit/>
-          </a:bodyPr>
-          <a:lstStyle/>
-          <a:p>
-            <a:pPr indent="0" lvl="0" marL="0" rtl="0" algn="l">
-              <a:spcBef>
-                <a:spcPts val="0"/>
-              </a:spcBef>
-              <a:spcAft>
-                <a:spcPts val="0"/>
-              </a:spcAft>
-              <a:buNone/>
-            </a:pPr>
-            <a:r>
-              <a:t/>
-            </a:r>
-            <a:endParaRPr/>
-          </a:p>
-        </p:txBody>
-      </p:sp>
-    </p:spTree>
-  </p:cSld>
-  <p:clrMapOvr>
-    <a:masterClrMapping/>
-  </p:clrMapOvr>
-</p:sld>
-</file>
-
-<file path=ppt/slides/slide8.xml><?xml version="1.0" encoding="utf-8"?>
-<p:sld xmlns:a="http://schemas.openxmlformats.org/drawingml/2006/main" xmlns:r="http://schemas.openxmlformats.org/officeDocument/2006/relationships" xmlns:mc="http://schemas.openxmlformats.org/markup-compatibility/2006" xmlns:mv="urn:schemas-microsoft-com:mac:vml" xmlns:p="http://schemas.openxmlformats.org/presentationml/2006/main" xmlns:c="http://schemas.openxmlformats.org/drawingml/2006/chart" xmlns:dgm="http://schemas.openxmlformats.org/drawingml/2006/diagram" xmlns:o="urn:schemas-microsoft-com:office:office" xmlns:v="urn:schemas-microsoft-com:vml" xmlns:pvml="urn:schemas-microsoft-com:office:powerpoint" xmlns:com="http://schemas.openxmlformats.org/drawingml/2006/compatibility" xmlns:p14="http://schemas.microsoft.com/office/powerpoint/2010/main" xmlns:p15="http://schemas.microsoft.com/office/powerpoint/2012/main">
-  <p:cSld>
-    <p:spTree>
-      <p:nvGrpSpPr>
-        <p:cNvPr id="118" name="Shape 118"/>
-        <p:cNvGrpSpPr/>
-        <p:nvPr/>
-      </p:nvGrpSpPr>
-      <p:grpSpPr>
-        <a:xfrm>
-          <a:off x="0" y="0"/>
-          <a:ext cx="0" cy="0"/>
-          <a:chOff x="0" y="0"/>
-          <a:chExt cx="0" cy="0"/>
-        </a:xfrm>
-      </p:grpSpPr>
-      <p:pic>
-        <p:nvPicPr>
-          <p:cNvPr id="119" name="Google Shape;119;p20"/>
-          <p:cNvPicPr preferRelativeResize="0"/>
-          <p:nvPr/>
-        </p:nvPicPr>
-        <p:blipFill>
-          <a:blip r:embed="rId3">
-            <a:alphaModFix/>
-          </a:blip>
-          <a:stretch>
-            <a:fillRect/>
-          </a:stretch>
-        </p:blipFill>
-        <p:spPr>
-          <a:xfrm>
-            <a:off x="152400" y="601100"/>
-            <a:ext cx="8839201" cy="3941289"/>
-          </a:xfrm>
-          <a:prstGeom prst="rect">
-            <a:avLst/>
-          </a:prstGeom>
-          <a:noFill/>
-          <a:ln>
-            <a:noFill/>
-          </a:ln>
-        </p:spPr>
-      </p:pic>
-      <p:sp>
-        <p:nvSpPr>
-          <p:cNvPr id="120" name="Google Shape;120;p20"/>
-          <p:cNvSpPr/>
-          <p:nvPr/>
-        </p:nvSpPr>
-        <p:spPr>
-          <a:xfrm>
-            <a:off x="4716000" y="1284300"/>
             <a:ext cx="192600" cy="218400"/>
           </a:xfrm>
           <a:prstGeom prst="rect">
@@ -8469,7 +8876,7 @@
   <p:cSld>
     <p:spTree>
       <p:nvGrpSpPr>
-        <p:cNvPr id="124" name="Shape 124"/>
+        <p:cNvPr id="126" name="Shape 126"/>
         <p:cNvGrpSpPr/>
         <p:nvPr/>
       </p:nvGrpSpPr>
@@ -8483,7 +8890,7 @@
       </p:grpSpPr>
       <p:pic>
         <p:nvPicPr>
-          <p:cNvPr id="125" name="Google Shape;125;p21"/>
+          <p:cNvPr id="127" name="Google Shape;127;p21"/>
           <p:cNvPicPr preferRelativeResize="0"/>
           <p:nvPr/>
         </p:nvPicPr>
@@ -8497,8 +8904,8 @@
         </p:blipFill>
         <p:spPr>
           <a:xfrm>
-            <a:off x="152400" y="600588"/>
-            <a:ext cx="8839198" cy="3942320"/>
+            <a:off x="152400" y="601100"/>
+            <a:ext cx="8839201" cy="3941289"/>
           </a:xfrm>
           <a:prstGeom prst="rect">
             <a:avLst/>
@@ -8511,14 +8918,14 @@
       </p:pic>
       <p:sp>
         <p:nvSpPr>
-          <p:cNvPr id="126" name="Google Shape;126;p21"/>
+          <p:cNvPr id="128" name="Google Shape;128;p21"/>
           <p:cNvSpPr/>
           <p:nvPr/>
         </p:nvSpPr>
         <p:spPr>
           <a:xfrm>
-            <a:off x="333900" y="3904175"/>
-            <a:ext cx="1386900" cy="475200"/>
+            <a:off x="4716000" y="1284300"/>
+            <a:ext cx="192600" cy="218400"/>
           </a:xfrm>
           <a:prstGeom prst="rect">
             <a:avLst/>
@@ -8553,118 +8960,6 @@
               <a:t/>
             </a:r>
             <a:endParaRPr/>
-          </a:p>
-        </p:txBody>
-      </p:sp>
-      <p:sp>
-        <p:nvSpPr>
-          <p:cNvPr id="127" name="Google Shape;127;p21"/>
-          <p:cNvSpPr/>
-          <p:nvPr/>
-        </p:nvSpPr>
-        <p:spPr>
-          <a:xfrm rot="-2999269">
-            <a:off x="1643717" y="3493320"/>
-            <a:ext cx="1310210" cy="141162"/>
-          </a:xfrm>
-          <a:prstGeom prst="rightArrow">
-            <a:avLst>
-              <a:gd fmla="val 50000" name="adj1"/>
-              <a:gd fmla="val 50000" name="adj2"/>
-            </a:avLst>
-          </a:prstGeom>
-          <a:solidFill>
-            <a:srgbClr val="FF0000">
-              <a:alpha val="35030"/>
-            </a:srgbClr>
-          </a:solidFill>
-          <a:ln cap="flat" cmpd="sng" w="19050">
-            <a:solidFill>
-              <a:srgbClr val="FF0000"/>
-            </a:solidFill>
-            <a:prstDash val="solid"/>
-            <a:round/>
-            <a:headEnd len="sm" w="sm" type="none"/>
-            <a:tailEnd len="sm" w="sm" type="none"/>
-          </a:ln>
-        </p:spPr>
-        <p:txBody>
-          <a:bodyPr anchorCtr="0" anchor="ctr" bIns="91425" lIns="91425" spcFirstLastPara="1" rIns="91425" wrap="square" tIns="91425">
-            <a:noAutofit/>
-          </a:bodyPr>
-          <a:lstStyle/>
-          <a:p>
-            <a:pPr indent="0" lvl="0" marL="0" rtl="0" algn="l">
-              <a:spcBef>
-                <a:spcPts val="0"/>
-              </a:spcBef>
-              <a:spcAft>
-                <a:spcPts val="0"/>
-              </a:spcAft>
-              <a:buNone/>
-            </a:pPr>
-            <a:r>
-              <a:t/>
-            </a:r>
-            <a:endParaRPr/>
-          </a:p>
-        </p:txBody>
-      </p:sp>
-      <p:sp>
-        <p:nvSpPr>
-          <p:cNvPr id="128" name="Google Shape;128;p21"/>
-          <p:cNvSpPr txBox="1"/>
-          <p:nvPr/>
-        </p:nvSpPr>
-        <p:spPr>
-          <a:xfrm>
-            <a:off x="4225925" y="3136100"/>
-            <a:ext cx="1995300" cy="855600"/>
-          </a:xfrm>
-          <a:prstGeom prst="rect">
-            <a:avLst/>
-          </a:prstGeom>
-          <a:noFill/>
-          <a:ln>
-            <a:noFill/>
-          </a:ln>
-        </p:spPr>
-        <p:txBody>
-          <a:bodyPr anchorCtr="0" anchor="t" bIns="91425" lIns="91425" spcFirstLastPara="1" rIns="91425" wrap="square" tIns="91425">
-            <a:noAutofit/>
-          </a:bodyPr>
-          <a:lstStyle/>
-          <a:p>
-            <a:pPr indent="0" lvl="0" marL="0" rtl="0" algn="l">
-              <a:spcBef>
-                <a:spcPts val="0"/>
-              </a:spcBef>
-              <a:spcAft>
-                <a:spcPts val="0"/>
-              </a:spcAft>
-              <a:buNone/>
-            </a:pPr>
-            <a:r>
-              <a:rPr lang="zh-CN">
-                <a:solidFill>
-                  <a:srgbClr val="FF0000"/>
-                </a:solidFill>
-              </a:rPr>
-              <a:t>CloseCourse.</a:t>
-            </a:r>
-            <a:r>
-              <a:rPr lang="zh-CN">
-                <a:solidFill>
-                  <a:srgbClr val="FF0000"/>
-                </a:solidFill>
-              </a:rPr>
-              <a:t>fxml</a:t>
-            </a:r>
-            <a:endParaRPr>
-              <a:solidFill>
-                <a:srgbClr val="FF0000"/>
-              </a:solidFill>
-            </a:endParaRPr>
           </a:p>
         </p:txBody>
       </p:sp>
